--- a/part3/Figures/arraylist-to-array.pptx
+++ b/part3/Figures/arraylist-to-array.pptx
@@ -3887,8 +3887,8 @@
         </p:nvSpPr>
         <p:spPr>
           <a:xfrm>
-            <a:off x="1093613" y="4516348"/>
-            <a:ext cx="1499880" cy="646331"/>
+            <a:off x="1306303" y="4046074"/>
+            <a:ext cx="1560744" cy="646331"/>
           </a:xfrm>
           <a:prstGeom prst="rect">
             <a:avLst/>
@@ -3922,13 +3922,25 @@
           <a:p>
             <a:r>
               <a:rPr lang="en-US" sz="1200" i="1" dirty="0" smtClean="0"/>
-              <a:t>Savings: 2.3%</a:t>
-            </a:r>
-          </a:p>
-          <a:p>
+              <a:t>Savings: </a:t>
+            </a:r>
             <a:r>
               <a:rPr lang="en-US" sz="1200" i="1" dirty="0" smtClean="0"/>
-              <a:t>Bloat factor = 9.25%</a:t>
+              <a:t>22.3</a:t>
+            </a:r>
+            <a:r>
+              <a:rPr lang="en-US" sz="1200" i="1" dirty="0" smtClean="0"/>
+              <a:t>%</a:t>
+            </a:r>
+          </a:p>
+          <a:p>
+            <a:r>
+              <a:rPr lang="en-US" sz="1200" i="1" dirty="0" smtClean="0"/>
+              <a:t>Bloat factor = </a:t>
+            </a:r>
+            <a:r>
+              <a:rPr lang="en-US" sz="1200" i="1" dirty="0" smtClean="0"/>
+              <a:t>90.42%</a:t>
             </a:r>
             <a:endParaRPr lang="en-US" sz="1200" i="1" dirty="0"/>
           </a:p>
